--- a/public/Hackerverse_PPT.pptx
+++ b/public/Hackerverse_PPT.pptx
@@ -5,16 +5,17 @@
     <p:sldMasterId id="2147483648" r:id="rId1"/>
   </p:sldMasterIdLst>
   <p:notesMasterIdLst>
-    <p:notesMasterId r:id="rId9"/>
+    <p:notesMasterId r:id="rId10"/>
   </p:notesMasterIdLst>
   <p:sldIdLst>
     <p:sldId id="291" r:id="rId2"/>
-    <p:sldId id="292" r:id="rId3"/>
-    <p:sldId id="293" r:id="rId4"/>
-    <p:sldId id="294" r:id="rId5"/>
-    <p:sldId id="295" r:id="rId6"/>
-    <p:sldId id="296" r:id="rId7"/>
-    <p:sldId id="297" r:id="rId8"/>
+    <p:sldId id="298" r:id="rId3"/>
+    <p:sldId id="292" r:id="rId4"/>
+    <p:sldId id="293" r:id="rId5"/>
+    <p:sldId id="294" r:id="rId6"/>
+    <p:sldId id="295" r:id="rId7"/>
+    <p:sldId id="296" r:id="rId8"/>
+    <p:sldId id="297" r:id="rId9"/>
   </p:sldIdLst>
   <p:sldSz cx="12192000" cy="6858000"/>
   <p:notesSz cx="6858000" cy="9144000"/>
@@ -3955,7 +3956,7 @@
         </p:nvSpPr>
         <p:spPr>
           <a:xfrm>
-            <a:off x="1344058" y="3771900"/>
+            <a:off x="1344058" y="3429000"/>
             <a:ext cx="6213513" cy="2246769"/>
           </a:xfrm>
           <a:prstGeom prst="rect">
@@ -4039,8 +4040,8 @@
         </p:nvSpPr>
         <p:spPr>
           <a:xfrm>
-            <a:off x="4751024" y="2666304"/>
-            <a:ext cx="2806547" cy="584775"/>
+            <a:off x="4751024" y="2534067"/>
+            <a:ext cx="6152920" cy="584775"/>
           </a:xfrm>
           <a:prstGeom prst="rect">
             <a:avLst/>
@@ -4087,7 +4088,7 @@
         </p:nvSpPr>
         <p:spPr>
           <a:xfrm>
-            <a:off x="1097556" y="1755143"/>
+            <a:off x="826265" y="77118"/>
             <a:ext cx="1388126" cy="523220"/>
           </a:xfrm>
           <a:prstGeom prst="ellipse">
@@ -4126,28 +4127,28 @@
       </p:sp>
       <p:pic>
         <p:nvPicPr>
-          <p:cNvPr id="5" name="Picture 4"/>
+          <p:cNvPr id="8" name="Picture 7">
+            <a:extLst>
+              <a:ext uri="{FF2B5EF4-FFF2-40B4-BE49-F238E27FC236}">
+                <a16:creationId xmlns:a16="http://schemas.microsoft.com/office/drawing/2014/main" xmlns="" id="{5C8335F4-7FDA-E35C-6C71-09CF5A00B7FE}"/>
+              </a:ext>
+            </a:extLst>
+          </p:cNvPr>
           <p:cNvPicPr>
             <a:picLocks noChangeAspect="1"/>
           </p:cNvPicPr>
           <p:nvPr/>
         </p:nvPicPr>
         <p:blipFill>
-          <a:blip r:embed="rId3">
-            <a:extLst>
-              <a:ext uri="{28A0092B-C50C-407E-A947-70E740481C1C}">
-                <a14:useLocalDpi xmlns:a14="http://schemas.microsoft.com/office/drawing/2010/main" val="0"/>
-              </a:ext>
-            </a:extLst>
-          </a:blip>
+          <a:blip r:embed="rId3"/>
           <a:stretch>
             <a:fillRect/>
           </a:stretch>
         </p:blipFill>
         <p:spPr>
           <a:xfrm>
-            <a:off x="3736988" y="1548680"/>
-            <a:ext cx="4834618" cy="936146"/>
+            <a:off x="2928257" y="1186511"/>
+            <a:ext cx="6335485" cy="1791761"/>
           </a:xfrm>
           <a:prstGeom prst="rect">
             <a:avLst/>
@@ -4179,6 +4180,659 @@
           <a:chExt cx="0" cy="0"/>
         </a:xfrm>
       </p:grpSpPr>
+      <p:grpSp>
+        <p:nvGrpSpPr>
+          <p:cNvPr id="2" name="Group 2"/>
+          <p:cNvGrpSpPr/>
+          <p:nvPr/>
+        </p:nvGrpSpPr>
+        <p:grpSpPr>
+          <a:xfrm>
+            <a:off x="8737600" y="6356354"/>
+            <a:ext cx="2844800" cy="365125"/>
+            <a:chOff x="0" y="0"/>
+            <a:chExt cx="5689600" cy="730250"/>
+          </a:xfrm>
+        </p:grpSpPr>
+        <p:sp>
+          <p:nvSpPr>
+            <p:cNvPr id="3" name="Freeform 3"/>
+            <p:cNvSpPr/>
+            <p:nvPr/>
+          </p:nvSpPr>
+          <p:spPr>
+            <a:xfrm>
+              <a:off x="0" y="0"/>
+              <a:ext cx="5689600" cy="730250"/>
+            </a:xfrm>
+            <a:custGeom>
+              <a:avLst/>
+              <a:gdLst/>
+              <a:ahLst/>
+              <a:cxnLst/>
+              <a:rect l="l" t="t" r="r" b="b"/>
+              <a:pathLst>
+                <a:path w="5689600" h="730250">
+                  <a:moveTo>
+                    <a:pt x="0" y="0"/>
+                  </a:moveTo>
+                  <a:lnTo>
+                    <a:pt x="5689600" y="0"/>
+                  </a:lnTo>
+                  <a:lnTo>
+                    <a:pt x="5689600" y="730250"/>
+                  </a:lnTo>
+                  <a:lnTo>
+                    <a:pt x="0" y="730250"/>
+                  </a:lnTo>
+                  <a:close/>
+                </a:path>
+              </a:pathLst>
+            </a:custGeom>
+            <a:solidFill>
+              <a:srgbClr val="000000">
+                <a:alpha val="0"/>
+              </a:srgbClr>
+            </a:solidFill>
+          </p:spPr>
+        </p:sp>
+        <p:sp>
+          <p:nvSpPr>
+            <p:cNvPr id="4" name="TextBox 4"/>
+            <p:cNvSpPr txBox="1"/>
+            <p:nvPr/>
+          </p:nvSpPr>
+          <p:spPr>
+            <a:xfrm>
+              <a:off x="0" y="-19050"/>
+              <a:ext cx="5689600" cy="749300"/>
+            </a:xfrm>
+            <a:prstGeom prst="rect">
+              <a:avLst/>
+            </a:prstGeom>
+          </p:spPr>
+          <p:txBody>
+            <a:bodyPr lIns="0" tIns="0" rIns="0" bIns="0" rtlCol="0" anchor="ctr"/>
+            <a:lstStyle/>
+            <a:p>
+              <a:pPr algn="r">
+                <a:lnSpc>
+                  <a:spcPts val="1440"/>
+                </a:lnSpc>
+              </a:pPr>
+              <a:r>
+                <a:rPr lang="en-US" sz="1200">
+                  <a:solidFill>
+                    <a:srgbClr val="898989"/>
+                  </a:solidFill>
+                  <a:latin typeface="Arimo"/>
+                  <a:ea typeface="Arimo"/>
+                  <a:cs typeface="Arimo"/>
+                  <a:sym typeface="Arimo"/>
+                </a:rPr>
+                <a:t>2</a:t>
+              </a:r>
+            </a:p>
+          </p:txBody>
+        </p:sp>
+      </p:grpSp>
+      <p:sp>
+        <p:nvSpPr>
+          <p:cNvPr id="5" name="Freeform 5" descr="C:\Users\admin\Downloads\Brouchure (Presentation) (3).png"/>
+          <p:cNvSpPr/>
+          <p:nvPr/>
+        </p:nvSpPr>
+        <p:spPr>
+          <a:xfrm>
+            <a:off x="0" y="0"/>
+            <a:ext cx="11925300" cy="6858000"/>
+          </a:xfrm>
+          <a:custGeom>
+            <a:avLst/>
+            <a:gdLst/>
+            <a:ahLst/>
+            <a:cxnLst/>
+            <a:rect l="l" t="t" r="r" b="b"/>
+            <a:pathLst>
+              <a:path w="17887950" h="10287000">
+                <a:moveTo>
+                  <a:pt x="0" y="0"/>
+                </a:moveTo>
+                <a:lnTo>
+                  <a:pt x="17887950" y="0"/>
+                </a:lnTo>
+                <a:lnTo>
+                  <a:pt x="17887950" y="10287000"/>
+                </a:lnTo>
+                <a:lnTo>
+                  <a:pt x="0" y="10287000"/>
+                </a:lnTo>
+                <a:lnTo>
+                  <a:pt x="0" y="0"/>
+                </a:lnTo>
+                <a:close/>
+              </a:path>
+            </a:pathLst>
+          </a:custGeom>
+          <a:blipFill>
+            <a:blip r:embed="rId2"/>
+            <a:stretch>
+              <a:fillRect b="-2935"/>
+            </a:stretch>
+          </a:blipFill>
+        </p:spPr>
+      </p:sp>
+      <p:grpSp>
+        <p:nvGrpSpPr>
+          <p:cNvPr id="6" name="Group 6"/>
+          <p:cNvGrpSpPr/>
+          <p:nvPr/>
+        </p:nvGrpSpPr>
+        <p:grpSpPr>
+          <a:xfrm>
+            <a:off x="4062164" y="1515629"/>
+            <a:ext cx="6097836" cy="588264"/>
+            <a:chOff x="0" y="0"/>
+            <a:chExt cx="12195672" cy="1176528"/>
+          </a:xfrm>
+        </p:grpSpPr>
+        <p:sp>
+          <p:nvSpPr>
+            <p:cNvPr id="7" name="Freeform 7"/>
+            <p:cNvSpPr/>
+            <p:nvPr/>
+          </p:nvSpPr>
+          <p:spPr>
+            <a:xfrm>
+              <a:off x="0" y="0"/>
+              <a:ext cx="12195672" cy="1176528"/>
+            </a:xfrm>
+            <a:custGeom>
+              <a:avLst/>
+              <a:gdLst/>
+              <a:ahLst/>
+              <a:cxnLst/>
+              <a:rect l="l" t="t" r="r" b="b"/>
+              <a:pathLst>
+                <a:path w="12195672" h="1176528">
+                  <a:moveTo>
+                    <a:pt x="0" y="0"/>
+                  </a:moveTo>
+                  <a:lnTo>
+                    <a:pt x="12195672" y="0"/>
+                  </a:lnTo>
+                  <a:lnTo>
+                    <a:pt x="12195672" y="1176528"/>
+                  </a:lnTo>
+                  <a:lnTo>
+                    <a:pt x="0" y="1176528"/>
+                  </a:lnTo>
+                  <a:close/>
+                </a:path>
+              </a:pathLst>
+            </a:custGeom>
+            <a:solidFill>
+              <a:srgbClr val="000000">
+                <a:alpha val="0"/>
+              </a:srgbClr>
+            </a:solidFill>
+          </p:spPr>
+        </p:sp>
+        <p:sp>
+          <p:nvSpPr>
+            <p:cNvPr id="8" name="TextBox 8"/>
+            <p:cNvSpPr txBox="1"/>
+            <p:nvPr/>
+          </p:nvSpPr>
+          <p:spPr>
+            <a:xfrm>
+              <a:off x="0" y="-95250"/>
+              <a:ext cx="12195672" cy="1271778"/>
+            </a:xfrm>
+            <a:prstGeom prst="rect">
+              <a:avLst/>
+            </a:prstGeom>
+          </p:spPr>
+          <p:txBody>
+            <a:bodyPr lIns="0" tIns="0" rIns="0" bIns="0" rtlCol="0" anchor="t"/>
+            <a:lstStyle/>
+            <a:p>
+              <a:pPr>
+                <a:lnSpc>
+                  <a:spcPts val="3839"/>
+                </a:lnSpc>
+              </a:pPr>
+              <a:r>
+                <a:rPr lang="en-US" sz="3200" b="1" u="sng">
+                  <a:solidFill>
+                    <a:srgbClr val="000000"/>
+                  </a:solidFill>
+                  <a:latin typeface="Arial Bold"/>
+                  <a:ea typeface="Arial Bold"/>
+                  <a:cs typeface="Arial Bold"/>
+                  <a:sym typeface="Arial Bold"/>
+                </a:rPr>
+                <a:t>PROBLEM STATEMENT</a:t>
+              </a:r>
+            </a:p>
+          </p:txBody>
+        </p:sp>
+      </p:grpSp>
+      <p:grpSp>
+        <p:nvGrpSpPr>
+          <p:cNvPr id="9" name="Group 9"/>
+          <p:cNvGrpSpPr/>
+          <p:nvPr/>
+        </p:nvGrpSpPr>
+        <p:grpSpPr>
+          <a:xfrm>
+            <a:off x="1706815" y="2782670"/>
+            <a:ext cx="6152920" cy="1292662"/>
+            <a:chOff x="0" y="0"/>
+            <a:chExt cx="12305840" cy="2585324"/>
+          </a:xfrm>
+        </p:grpSpPr>
+        <p:sp>
+          <p:nvSpPr>
+            <p:cNvPr id="10" name="Freeform 10"/>
+            <p:cNvSpPr/>
+            <p:nvPr/>
+          </p:nvSpPr>
+          <p:spPr>
+            <a:xfrm>
+              <a:off x="0" y="0"/>
+              <a:ext cx="12305840" cy="2585324"/>
+            </a:xfrm>
+            <a:custGeom>
+              <a:avLst/>
+              <a:gdLst/>
+              <a:ahLst/>
+              <a:cxnLst/>
+              <a:rect l="l" t="t" r="r" b="b"/>
+              <a:pathLst>
+                <a:path w="12305840" h="2585324">
+                  <a:moveTo>
+                    <a:pt x="0" y="0"/>
+                  </a:moveTo>
+                  <a:lnTo>
+                    <a:pt x="12305840" y="0"/>
+                  </a:lnTo>
+                  <a:lnTo>
+                    <a:pt x="12305840" y="2585324"/>
+                  </a:lnTo>
+                  <a:lnTo>
+                    <a:pt x="0" y="2585324"/>
+                  </a:lnTo>
+                  <a:close/>
+                </a:path>
+              </a:pathLst>
+            </a:custGeom>
+            <a:solidFill>
+              <a:srgbClr val="000000">
+                <a:alpha val="0"/>
+              </a:srgbClr>
+            </a:solidFill>
+          </p:spPr>
+        </p:sp>
+        <p:sp>
+          <p:nvSpPr>
+            <p:cNvPr id="11" name="TextBox 11"/>
+            <p:cNvSpPr txBox="1"/>
+            <p:nvPr/>
+          </p:nvSpPr>
+          <p:spPr>
+            <a:xfrm>
+              <a:off x="0" y="-66675"/>
+              <a:ext cx="12305840" cy="2651999"/>
+            </a:xfrm>
+            <a:prstGeom prst="rect">
+              <a:avLst/>
+            </a:prstGeom>
+          </p:spPr>
+          <p:txBody>
+            <a:bodyPr lIns="0" tIns="0" rIns="0" bIns="0" rtlCol="0" anchor="t"/>
+            <a:lstStyle/>
+            <a:p>
+              <a:pPr marL="361914" lvl="1" indent="-180957">
+                <a:lnSpc>
+                  <a:spcPts val="2400"/>
+                </a:lnSpc>
+                <a:buFont typeface="Arial"/>
+                <a:buChar char="•"/>
+              </a:pPr>
+              <a:r>
+                <a:rPr lang="en-US" sz="2000">
+                  <a:solidFill>
+                    <a:srgbClr val="000000"/>
+                  </a:solidFill>
+                  <a:latin typeface="Arial"/>
+                  <a:ea typeface="Arial"/>
+                  <a:cs typeface="Arial"/>
+                  <a:sym typeface="Arial"/>
+                </a:rPr>
+                <a:t>The Problem</a:t>
+              </a:r>
+            </a:p>
+            <a:p>
+              <a:pPr marL="361914" lvl="1" indent="-180957">
+                <a:lnSpc>
+                  <a:spcPts val="2400"/>
+                </a:lnSpc>
+                <a:buFont typeface="Arial"/>
+                <a:buChar char="•"/>
+              </a:pPr>
+              <a:r>
+                <a:rPr lang="en-US" sz="2000">
+                  <a:solidFill>
+                    <a:srgbClr val="000000"/>
+                  </a:solidFill>
+                  <a:latin typeface="Arial"/>
+                  <a:ea typeface="Arial"/>
+                  <a:cs typeface="Arial"/>
+                  <a:sym typeface="Arial"/>
+                </a:rPr>
+                <a:t>User Pain Points</a:t>
+              </a:r>
+            </a:p>
+            <a:p>
+              <a:pPr marL="361914" lvl="1" indent="-180957">
+                <a:lnSpc>
+                  <a:spcPts val="2400"/>
+                </a:lnSpc>
+                <a:buFont typeface="Arial"/>
+                <a:buChar char="•"/>
+              </a:pPr>
+              <a:r>
+                <a:rPr lang="en-US" sz="2000">
+                  <a:solidFill>
+                    <a:srgbClr val="000000"/>
+                  </a:solidFill>
+                  <a:latin typeface="Arial"/>
+                  <a:ea typeface="Arial"/>
+                  <a:cs typeface="Arial"/>
+                  <a:sym typeface="Arial"/>
+                </a:rPr>
+                <a:t>Exixiting Systems</a:t>
+              </a:r>
+            </a:p>
+            <a:p>
+              <a:pPr marL="361914" lvl="1" indent="-180957">
+                <a:lnSpc>
+                  <a:spcPts val="2400"/>
+                </a:lnSpc>
+              </a:pPr>
+              <a:endParaRPr lang="en-US" sz="2000">
+                <a:solidFill>
+                  <a:srgbClr val="000000"/>
+                </a:solidFill>
+                <a:latin typeface="Arial"/>
+                <a:ea typeface="Arial"/>
+                <a:cs typeface="Arial"/>
+                <a:sym typeface="Arial"/>
+              </a:endParaRPr>
+            </a:p>
+          </p:txBody>
+        </p:sp>
+      </p:grpSp>
+      <p:grpSp>
+        <p:nvGrpSpPr>
+          <p:cNvPr id="12" name="Group 12"/>
+          <p:cNvGrpSpPr/>
+          <p:nvPr/>
+        </p:nvGrpSpPr>
+        <p:grpSpPr>
+          <a:xfrm>
+            <a:off x="869424" y="114276"/>
+            <a:ext cx="1413526" cy="548620"/>
+            <a:chOff x="0" y="0"/>
+            <a:chExt cx="2827052" cy="1097240"/>
+          </a:xfrm>
+        </p:grpSpPr>
+        <p:sp>
+          <p:nvSpPr>
+            <p:cNvPr id="13" name="Freeform 13"/>
+            <p:cNvSpPr/>
+            <p:nvPr/>
+          </p:nvSpPr>
+          <p:spPr>
+            <a:xfrm>
+              <a:off x="25400" y="25400"/>
+              <a:ext cx="2776220" cy="1046480"/>
+            </a:xfrm>
+            <a:custGeom>
+              <a:avLst/>
+              <a:gdLst/>
+              <a:ahLst/>
+              <a:cxnLst/>
+              <a:rect l="l" t="t" r="r" b="b"/>
+              <a:pathLst>
+                <a:path w="2776220" h="1046480">
+                  <a:moveTo>
+                    <a:pt x="0" y="523240"/>
+                  </a:moveTo>
+                  <a:cubicBezTo>
+                    <a:pt x="0" y="234315"/>
+                    <a:pt x="621538" y="0"/>
+                    <a:pt x="1388110" y="0"/>
+                  </a:cubicBezTo>
+                  <a:cubicBezTo>
+                    <a:pt x="2154682" y="0"/>
+                    <a:pt x="2776220" y="234315"/>
+                    <a:pt x="2776220" y="523240"/>
+                  </a:cubicBezTo>
+                  <a:cubicBezTo>
+                    <a:pt x="2776220" y="812165"/>
+                    <a:pt x="2154809" y="1046480"/>
+                    <a:pt x="1388110" y="1046480"/>
+                  </a:cubicBezTo>
+                  <a:cubicBezTo>
+                    <a:pt x="621411" y="1046480"/>
+                    <a:pt x="0" y="812165"/>
+                    <a:pt x="0" y="523240"/>
+                  </a:cubicBezTo>
+                  <a:close/>
+                </a:path>
+              </a:pathLst>
+            </a:custGeom>
+            <a:solidFill>
+              <a:srgbClr val="FFFFFF"/>
+            </a:solidFill>
+          </p:spPr>
+        </p:sp>
+        <p:sp>
+          <p:nvSpPr>
+            <p:cNvPr id="14" name="Freeform 14"/>
+            <p:cNvSpPr/>
+            <p:nvPr/>
+          </p:nvSpPr>
+          <p:spPr>
+            <a:xfrm>
+              <a:off x="0" y="0"/>
+              <a:ext cx="2827020" cy="1097280"/>
+            </a:xfrm>
+            <a:custGeom>
+              <a:avLst/>
+              <a:gdLst/>
+              <a:ahLst/>
+              <a:cxnLst/>
+              <a:rect l="l" t="t" r="r" b="b"/>
+              <a:pathLst>
+                <a:path w="2827020" h="1097280">
+                  <a:moveTo>
+                    <a:pt x="0" y="548640"/>
+                  </a:moveTo>
+                  <a:cubicBezTo>
+                    <a:pt x="0" y="230124"/>
+                    <a:pt x="656844" y="0"/>
+                    <a:pt x="1413510" y="0"/>
+                  </a:cubicBezTo>
+                  <a:cubicBezTo>
+                    <a:pt x="2170176" y="0"/>
+                    <a:pt x="2827020" y="230124"/>
+                    <a:pt x="2827020" y="548640"/>
+                  </a:cubicBezTo>
+                  <a:lnTo>
+                    <a:pt x="2801620" y="548640"/>
+                  </a:lnTo>
+                  <a:lnTo>
+                    <a:pt x="2827020" y="548640"/>
+                  </a:lnTo>
+                  <a:cubicBezTo>
+                    <a:pt x="2827020" y="867156"/>
+                    <a:pt x="2170176" y="1097280"/>
+                    <a:pt x="1413510" y="1097280"/>
+                  </a:cubicBezTo>
+                  <a:lnTo>
+                    <a:pt x="1413510" y="1071880"/>
+                  </a:lnTo>
+                  <a:lnTo>
+                    <a:pt x="1413510" y="1097280"/>
+                  </a:lnTo>
+                  <a:cubicBezTo>
+                    <a:pt x="656844" y="1097280"/>
+                    <a:pt x="0" y="867156"/>
+                    <a:pt x="0" y="548640"/>
+                  </a:cubicBezTo>
+                  <a:lnTo>
+                    <a:pt x="25400" y="548640"/>
+                  </a:lnTo>
+                  <a:lnTo>
+                    <a:pt x="50800" y="548640"/>
+                  </a:lnTo>
+                  <a:lnTo>
+                    <a:pt x="25400" y="548640"/>
+                  </a:lnTo>
+                  <a:lnTo>
+                    <a:pt x="0" y="548640"/>
+                  </a:lnTo>
+                  <a:moveTo>
+                    <a:pt x="50800" y="548640"/>
+                  </a:moveTo>
+                  <a:cubicBezTo>
+                    <a:pt x="50800" y="562610"/>
+                    <a:pt x="39370" y="574040"/>
+                    <a:pt x="25400" y="574040"/>
+                  </a:cubicBezTo>
+                  <a:cubicBezTo>
+                    <a:pt x="11430" y="574040"/>
+                    <a:pt x="0" y="562610"/>
+                    <a:pt x="0" y="548640"/>
+                  </a:cubicBezTo>
+                  <a:cubicBezTo>
+                    <a:pt x="0" y="534670"/>
+                    <a:pt x="11430" y="523240"/>
+                    <a:pt x="25400" y="523240"/>
+                  </a:cubicBezTo>
+                  <a:cubicBezTo>
+                    <a:pt x="39370" y="523240"/>
+                    <a:pt x="50800" y="534670"/>
+                    <a:pt x="50800" y="548640"/>
+                  </a:cubicBezTo>
+                  <a:cubicBezTo>
+                    <a:pt x="50800" y="808101"/>
+                    <a:pt x="636905" y="1046480"/>
+                    <a:pt x="1413510" y="1046480"/>
+                  </a:cubicBezTo>
+                  <a:cubicBezTo>
+                    <a:pt x="2190115" y="1046480"/>
+                    <a:pt x="2776220" y="808101"/>
+                    <a:pt x="2776220" y="548640"/>
+                  </a:cubicBezTo>
+                  <a:cubicBezTo>
+                    <a:pt x="2776220" y="289179"/>
+                    <a:pt x="2190115" y="50800"/>
+                    <a:pt x="1413510" y="50800"/>
+                  </a:cubicBezTo>
+                  <a:lnTo>
+                    <a:pt x="1413510" y="25400"/>
+                  </a:lnTo>
+                  <a:lnTo>
+                    <a:pt x="1413510" y="50800"/>
+                  </a:lnTo>
+                  <a:cubicBezTo>
+                    <a:pt x="636905" y="50800"/>
+                    <a:pt x="50800" y="289179"/>
+                    <a:pt x="50800" y="548640"/>
+                  </a:cubicBezTo>
+                  <a:close/>
+                </a:path>
+              </a:pathLst>
+            </a:custGeom>
+            <a:solidFill>
+              <a:srgbClr val="C0504D"/>
+            </a:solidFill>
+          </p:spPr>
+        </p:sp>
+        <p:sp>
+          <p:nvSpPr>
+            <p:cNvPr id="15" name="TextBox 15"/>
+            <p:cNvSpPr txBox="1"/>
+            <p:nvPr/>
+          </p:nvSpPr>
+          <p:spPr>
+            <a:xfrm>
+              <a:off x="0" y="-57150"/>
+              <a:ext cx="2827052" cy="1154390"/>
+            </a:xfrm>
+            <a:prstGeom prst="rect">
+              <a:avLst/>
+            </a:prstGeom>
+          </p:spPr>
+          <p:txBody>
+            <a:bodyPr lIns="50800" tIns="50800" rIns="50800" bIns="50800" rtlCol="0" anchor="ctr"/>
+            <a:lstStyle/>
+            <a:p>
+              <a:pPr algn="ctr">
+                <a:lnSpc>
+                  <a:spcPts val="2160"/>
+                </a:lnSpc>
+              </a:pPr>
+              <a:r>
+                <a:rPr lang="en-US">
+                  <a:solidFill>
+                    <a:srgbClr val="000000"/>
+                  </a:solidFill>
+                  <a:latin typeface="Arial"/>
+                  <a:ea typeface="Arial"/>
+                  <a:cs typeface="Arial"/>
+                  <a:sym typeface="Arial"/>
+                </a:rPr>
+                <a:t>Team Name</a:t>
+              </a:r>
+            </a:p>
+          </p:txBody>
+        </p:sp>
+      </p:grpSp>
+    </p:spTree>
+    <p:extLst>
+      <p:ext uri="{BB962C8B-B14F-4D97-AF65-F5344CB8AC3E}">
+        <p14:creationId xmlns:p14="http://schemas.microsoft.com/office/powerpoint/2010/main" val="153636451"/>
+      </p:ext>
+    </p:extLst>
+  </p:cSld>
+  <p:clrMapOvr>
+    <a:masterClrMapping/>
+  </p:clrMapOvr>
+</p:sld>
+</file>
+
+<file path=ppt/slides/slide3.xml><?xml version="1.0" encoding="utf-8"?>
+<p:sld xmlns:a="http://schemas.openxmlformats.org/drawingml/2006/main" xmlns:r="http://schemas.openxmlformats.org/officeDocument/2006/relationships" xmlns:p="http://schemas.openxmlformats.org/presentationml/2006/main">
+  <p:cSld>
+    <p:spTree>
+      <p:nvGrpSpPr>
+        <p:cNvPr id="1" name=""/>
+        <p:cNvGrpSpPr/>
+        <p:nvPr/>
+      </p:nvGrpSpPr>
+      <p:grpSpPr>
+        <a:xfrm>
+          <a:off x="0" y="0"/>
+          <a:ext cx="0" cy="0"/>
+          <a:chOff x="0" y="0"/>
+          <a:chExt cx="0" cy="0"/>
+        </a:xfrm>
+      </p:grpSpPr>
       <p:sp>
         <p:nvSpPr>
           <p:cNvPr id="3" name="Slide Number Placeholder 2">
@@ -4203,7 +4857,7 @@
             <a:fld id="{B635AFB3-1ACD-44AC-8702-86B1729DF035}" type="slidenum">
               <a:rPr lang="en-US" smtClean="0"/>
               <a:pPr/>
-              <a:t>2</a:t>
+              <a:t>3</a:t>
             </a:fld>
             <a:endParaRPr lang="en-US"/>
           </a:p>
@@ -4312,7 +4966,7 @@
         </p:nvSpPr>
         <p:spPr>
           <a:xfrm>
-            <a:off x="1115458" y="2660529"/>
+            <a:off x="1115458" y="2137309"/>
             <a:ext cx="6152920" cy="523220"/>
           </a:xfrm>
           <a:prstGeom prst="rect">
@@ -4351,7 +5005,7 @@
         </p:nvSpPr>
         <p:spPr>
           <a:xfrm>
-            <a:off x="1677318" y="3442307"/>
+            <a:off x="1677318" y="2968778"/>
             <a:ext cx="6152920" cy="1292662"/>
           </a:xfrm>
           <a:prstGeom prst="rect">
@@ -4430,7 +5084,7 @@
         </p:nvSpPr>
         <p:spPr>
           <a:xfrm>
-            <a:off x="1115458" y="1567973"/>
+            <a:off x="826265" y="77118"/>
             <a:ext cx="1388126" cy="523220"/>
           </a:xfrm>
           <a:prstGeom prst="ellipse">
@@ -4480,7 +5134,7 @@
 </p:sld>
 </file>
 
-<file path=ppt/slides/slide3.xml><?xml version="1.0" encoding="utf-8"?>
+<file path=ppt/slides/slide4.xml><?xml version="1.0" encoding="utf-8"?>
 <p:sld xmlns:a="http://schemas.openxmlformats.org/drawingml/2006/main" xmlns:r="http://schemas.openxmlformats.org/officeDocument/2006/relationships" xmlns:p="http://schemas.openxmlformats.org/presentationml/2006/main">
   <p:cSld>
     <p:spTree>
@@ -4521,7 +5175,7 @@
             <a:fld id="{B635AFB3-1ACD-44AC-8702-86B1729DF035}" type="slidenum">
               <a:rPr lang="en-US" smtClean="0"/>
               <a:pPr/>
-              <a:t>3</a:t>
+              <a:t>4</a:t>
             </a:fld>
             <a:endParaRPr lang="en-US"/>
           </a:p>
@@ -4588,7 +5242,7 @@
         </p:nvSpPr>
         <p:spPr>
           <a:xfrm>
-            <a:off x="1685580" y="3267050"/>
+            <a:off x="1685580" y="2973136"/>
             <a:ext cx="6115586" cy="1015663"/>
           </a:xfrm>
           <a:prstGeom prst="rect">
@@ -4716,7 +5370,7 @@
         </p:nvSpPr>
         <p:spPr>
           <a:xfrm>
-            <a:off x="1185494" y="1567973"/>
+            <a:off x="826265" y="77118"/>
             <a:ext cx="1388126" cy="523220"/>
           </a:xfrm>
           <a:prstGeom prst="ellipse">
@@ -4766,7 +5420,7 @@
 </p:sld>
 </file>
 
-<file path=ppt/slides/slide4.xml><?xml version="1.0" encoding="utf-8"?>
+<file path=ppt/slides/slide5.xml><?xml version="1.0" encoding="utf-8"?>
 <p:sld xmlns:a="http://schemas.openxmlformats.org/drawingml/2006/main" xmlns:r="http://schemas.openxmlformats.org/officeDocument/2006/relationships" xmlns:p="http://schemas.openxmlformats.org/presentationml/2006/main">
   <p:cSld>
     <p:spTree>
@@ -4807,7 +5461,7 @@
             <a:fld id="{B635AFB3-1ACD-44AC-8702-86B1729DF035}" type="slidenum">
               <a:rPr lang="en-US" smtClean="0"/>
               <a:pPr/>
-              <a:t>4</a:t>
+              <a:t>5</a:t>
             </a:fld>
             <a:endParaRPr lang="en-US"/>
           </a:p>
@@ -4916,7 +5570,7 @@
         </p:nvSpPr>
         <p:spPr>
           <a:xfrm>
-            <a:off x="1022208" y="1567973"/>
+            <a:off x="826265" y="77118"/>
             <a:ext cx="1388126" cy="523220"/>
           </a:xfrm>
           <a:prstGeom prst="ellipse">
@@ -4966,7 +5620,7 @@
 </p:sld>
 </file>
 
-<file path=ppt/slides/slide5.xml><?xml version="1.0" encoding="utf-8"?>
+<file path=ppt/slides/slide6.xml><?xml version="1.0" encoding="utf-8"?>
 <p:sld xmlns:a="http://schemas.openxmlformats.org/drawingml/2006/main" xmlns:r="http://schemas.openxmlformats.org/officeDocument/2006/relationships" xmlns:p="http://schemas.openxmlformats.org/presentationml/2006/main">
   <p:cSld>
     <p:spTree>
@@ -5007,7 +5661,7 @@
             <a:fld id="{B635AFB3-1ACD-44AC-8702-86B1729DF035}" type="slidenum">
               <a:rPr lang="en-US" smtClean="0"/>
               <a:pPr/>
-              <a:t>5</a:t>
+              <a:t>6</a:t>
             </a:fld>
             <a:endParaRPr lang="en-US"/>
           </a:p>
@@ -5116,7 +5770,7 @@
         </p:nvSpPr>
         <p:spPr>
           <a:xfrm>
-            <a:off x="1054865" y="1506418"/>
+            <a:off x="826265" y="77118"/>
             <a:ext cx="1388126" cy="523220"/>
           </a:xfrm>
           <a:prstGeom prst="ellipse">
@@ -5166,7 +5820,7 @@
 </p:sld>
 </file>
 
-<file path=ppt/slides/slide6.xml><?xml version="1.0" encoding="utf-8"?>
+<file path=ppt/slides/slide7.xml><?xml version="1.0" encoding="utf-8"?>
 <p:sld xmlns:a="http://schemas.openxmlformats.org/drawingml/2006/main" xmlns:r="http://schemas.openxmlformats.org/officeDocument/2006/relationships" xmlns:p="http://schemas.openxmlformats.org/presentationml/2006/main">
   <p:cSld>
     <p:spTree>
@@ -5207,7 +5861,7 @@
             <a:fld id="{B635AFB3-1ACD-44AC-8702-86B1729DF035}" type="slidenum">
               <a:rPr lang="en-US" smtClean="0"/>
               <a:pPr/>
-              <a:t>6</a:t>
+              <a:t>7</a:t>
             </a:fld>
             <a:endParaRPr lang="en-US"/>
           </a:p>
@@ -5438,7 +6092,7 @@
 </p:sld>
 </file>
 
-<file path=ppt/slides/slide7.xml><?xml version="1.0" encoding="utf-8"?>
+<file path=ppt/slides/slide8.xml><?xml version="1.0" encoding="utf-8"?>
 <p:sld xmlns:a="http://schemas.openxmlformats.org/drawingml/2006/main" xmlns:r="http://schemas.openxmlformats.org/officeDocument/2006/relationships" xmlns:p="http://schemas.openxmlformats.org/presentationml/2006/main">
   <p:cSld>
     <p:spTree>
@@ -5479,7 +6133,7 @@
             <a:fld id="{B635AFB3-1ACD-44AC-8702-86B1729DF035}" type="slidenum">
               <a:rPr lang="en-US" smtClean="0"/>
               <a:pPr/>
-              <a:t>7</a:t>
+              <a:t>8</a:t>
             </a:fld>
             <a:endParaRPr lang="en-US"/>
           </a:p>
@@ -5936,7 +6590,7 @@
         </p:nvSpPr>
         <p:spPr>
           <a:xfrm>
-            <a:off x="1038537" y="1506418"/>
+            <a:off x="826265" y="77118"/>
             <a:ext cx="1388126" cy="523220"/>
           </a:xfrm>
           <a:prstGeom prst="ellipse">
